--- a/brWheel_my/wirings/mcp4725_wiring_diagram.pptx
+++ b/brWheel_my/wirings/mcp4725_wiring_diagram.pptx
@@ -241,7 +241,7 @@
           <a:p>
             <a:fld id="{A398FB1A-F8C3-427F-BE44-B87966AC4D7F}" type="datetimeFigureOut">
               <a:rPr lang="en-US" smtClean="0"/>
-              <a:t>29-Apr-22</a:t>
+              <a:t>20-Mar-25</a:t>
             </a:fld>
             <a:endParaRPr lang="en-US"/>
           </a:p>
@@ -409,7 +409,7 @@
           <a:p>
             <a:fld id="{A398FB1A-F8C3-427F-BE44-B87966AC4D7F}" type="datetimeFigureOut">
               <a:rPr lang="en-US" smtClean="0"/>
-              <a:t>29-Apr-22</a:t>
+              <a:t>20-Mar-25</a:t>
             </a:fld>
             <a:endParaRPr lang="en-US"/>
           </a:p>
@@ -587,7 +587,7 @@
           <a:p>
             <a:fld id="{A398FB1A-F8C3-427F-BE44-B87966AC4D7F}" type="datetimeFigureOut">
               <a:rPr lang="en-US" smtClean="0"/>
-              <a:t>29-Apr-22</a:t>
+              <a:t>20-Mar-25</a:t>
             </a:fld>
             <a:endParaRPr lang="en-US"/>
           </a:p>
@@ -755,7 +755,7 @@
           <a:p>
             <a:fld id="{A398FB1A-F8C3-427F-BE44-B87966AC4D7F}" type="datetimeFigureOut">
               <a:rPr lang="en-US" smtClean="0"/>
-              <a:t>29-Apr-22</a:t>
+              <a:t>20-Mar-25</a:t>
             </a:fld>
             <a:endParaRPr lang="en-US"/>
           </a:p>
@@ -1000,7 +1000,7 @@
           <a:p>
             <a:fld id="{A398FB1A-F8C3-427F-BE44-B87966AC4D7F}" type="datetimeFigureOut">
               <a:rPr lang="en-US" smtClean="0"/>
-              <a:t>29-Apr-22</a:t>
+              <a:t>20-Mar-25</a:t>
             </a:fld>
             <a:endParaRPr lang="en-US"/>
           </a:p>
@@ -1229,7 +1229,7 @@
           <a:p>
             <a:fld id="{A398FB1A-F8C3-427F-BE44-B87966AC4D7F}" type="datetimeFigureOut">
               <a:rPr lang="en-US" smtClean="0"/>
-              <a:t>29-Apr-22</a:t>
+              <a:t>20-Mar-25</a:t>
             </a:fld>
             <a:endParaRPr lang="en-US"/>
           </a:p>
@@ -1593,7 +1593,7 @@
           <a:p>
             <a:fld id="{A398FB1A-F8C3-427F-BE44-B87966AC4D7F}" type="datetimeFigureOut">
               <a:rPr lang="en-US" smtClean="0"/>
-              <a:t>29-Apr-22</a:t>
+              <a:t>20-Mar-25</a:t>
             </a:fld>
             <a:endParaRPr lang="en-US"/>
           </a:p>
@@ -1710,7 +1710,7 @@
           <a:p>
             <a:fld id="{A398FB1A-F8C3-427F-BE44-B87966AC4D7F}" type="datetimeFigureOut">
               <a:rPr lang="en-US" smtClean="0"/>
-              <a:t>29-Apr-22</a:t>
+              <a:t>20-Mar-25</a:t>
             </a:fld>
             <a:endParaRPr lang="en-US"/>
           </a:p>
@@ -1805,7 +1805,7 @@
           <a:p>
             <a:fld id="{A398FB1A-F8C3-427F-BE44-B87966AC4D7F}" type="datetimeFigureOut">
               <a:rPr lang="en-US" smtClean="0"/>
-              <a:t>29-Apr-22</a:t>
+              <a:t>20-Mar-25</a:t>
             </a:fld>
             <a:endParaRPr lang="en-US"/>
           </a:p>
@@ -2080,7 +2080,7 @@
           <a:p>
             <a:fld id="{A398FB1A-F8C3-427F-BE44-B87966AC4D7F}" type="datetimeFigureOut">
               <a:rPr lang="en-US" smtClean="0"/>
-              <a:t>29-Apr-22</a:t>
+              <a:t>20-Mar-25</a:t>
             </a:fld>
             <a:endParaRPr lang="en-US"/>
           </a:p>
@@ -2332,7 +2332,7 @@
           <a:p>
             <a:fld id="{A398FB1A-F8C3-427F-BE44-B87966AC4D7F}" type="datetimeFigureOut">
               <a:rPr lang="en-US" smtClean="0"/>
-              <a:t>29-Apr-22</a:t>
+              <a:t>20-Mar-25</a:t>
             </a:fld>
             <a:endParaRPr lang="en-US"/>
           </a:p>
@@ -2543,7 +2543,7 @@
           <a:p>
             <a:fld id="{A398FB1A-F8C3-427F-BE44-B87966AC4D7F}" type="datetimeFigureOut">
               <a:rPr lang="en-US" smtClean="0"/>
-              <a:t>29-Apr-22</a:t>
+              <a:t>20-Mar-25</a:t>
             </a:fld>
             <a:endParaRPr lang="en-US"/>
           </a:p>
@@ -3001,14 +3001,10 @@
           <a:p>
             <a:r>
               <a:rPr lang="en-US" dirty="0"/>
-              <a:t>Arduino </a:t>
-            </a:r>
-            <a:r>
-              <a:rPr lang="en-US" dirty="0" smtClean="0"/>
-              <a:t>Leonardo, Micro or </a:t>
-            </a:r>
-            <a:r>
-              <a:rPr lang="en-US" dirty="0" err="1" smtClean="0"/>
+              <a:t>Arduino Leonardo, Micro or </a:t>
+            </a:r>
+            <a:r>
+              <a:rPr lang="en-US" dirty="0" err="1"/>
               <a:t>ProMicro</a:t>
             </a:r>
             <a:endParaRPr lang="en-US" dirty="0"/>
@@ -3249,21 +3245,21 @@
           <a:p>
             <a:pPr algn="ctr"/>
             <a:r>
-              <a:rPr lang="en-US" dirty="0" smtClean="0"/>
+              <a:rPr lang="en-US" dirty="0"/>
               <a:t>MCP4725</a:t>
             </a:r>
           </a:p>
           <a:p>
             <a:r>
-              <a:rPr lang="en-US" dirty="0" smtClean="0"/>
+              <a:rPr lang="en-US" dirty="0"/>
               <a:t>external i</a:t>
             </a:r>
             <a:r>
-              <a:rPr lang="en-US" baseline="30000" dirty="0" smtClean="0"/>
+              <a:rPr lang="en-US" baseline="30000" dirty="0"/>
               <a:t>2</a:t>
             </a:r>
             <a:r>
-              <a:rPr lang="en-US" dirty="0" smtClean="0"/>
+              <a:rPr lang="en-US" dirty="0"/>
               <a:t>C 12bit DAC</a:t>
             </a:r>
           </a:p>
@@ -3293,10 +3289,9 @@
           <a:p>
             <a:pPr algn="ctr"/>
             <a:r>
-              <a:rPr lang="en-US" dirty="0" smtClean="0"/>
-              <a:t>Wiring diagram for external DAC’s (only valid for firmware fw-vXX3, in DAC± mode)</a:t>
-            </a:r>
-            <a:endParaRPr lang="en-US" dirty="0"/>
+              <a:rPr lang="en-US" dirty="0"/>
+              <a:t>Wiring diagram for external DAC’s (only valid for firmware with option “g”, in DAC± mode)</a:t>
+            </a:r>
           </a:p>
         </p:txBody>
       </p:sp>
@@ -3323,52 +3318,26 @@
           <a:lstStyle/>
           <a:p>
             <a:r>
-              <a:rPr lang="en-US" dirty="0" smtClean="0"/>
-              <a:t>Arduino</a:t>
-            </a:r>
-            <a:r>
               <a:rPr lang="en-US" dirty="0"/>
-              <a:t>	</a:t>
-            </a:r>
-            <a:r>
-              <a:rPr lang="en-US" dirty="0" smtClean="0"/>
-              <a:t>MCP4725</a:t>
-            </a:r>
-          </a:p>
-          <a:p>
-            <a:r>
-              <a:rPr lang="en-US" dirty="0" smtClean="0"/>
+              <a:t>Arduino	MCP4725</a:t>
+            </a:r>
+          </a:p>
+          <a:p>
+            <a:r>
+              <a:rPr lang="en-US" dirty="0"/>
               <a:t>5V	VDD	</a:t>
             </a:r>
           </a:p>
           <a:p>
             <a:r>
-              <a:rPr lang="en-US" dirty="0" smtClean="0"/>
+              <a:rPr lang="en-US" dirty="0"/>
               <a:t>GND	GND</a:t>
             </a:r>
           </a:p>
           <a:p>
             <a:r>
-              <a:rPr lang="en-US" dirty="0" smtClean="0"/>
+              <a:rPr lang="en-US" dirty="0"/>
               <a:t>2	SDA (i</a:t>
-            </a:r>
-            <a:r>
-              <a:rPr lang="en-US" baseline="30000" dirty="0" smtClean="0"/>
-              <a:t>2</a:t>
-            </a:r>
-            <a:r>
-              <a:rPr lang="en-US" dirty="0" smtClean="0"/>
-              <a:t>C data)</a:t>
-            </a:r>
-          </a:p>
-          <a:p>
-            <a:r>
-              <a:rPr lang="en-US" dirty="0" smtClean="0"/>
-              <a:t>3	CLK </a:t>
-            </a:r>
-            <a:r>
-              <a:rPr lang="en-US" dirty="0"/>
-              <a:t>(i</a:t>
             </a:r>
             <a:r>
               <a:rPr lang="en-US" baseline="30000" dirty="0"/>
@@ -3376,13 +3345,22 @@
             </a:r>
             <a:r>
               <a:rPr lang="en-US" dirty="0"/>
-              <a:t>C </a:t>
-            </a:r>
-            <a:r>
-              <a:rPr lang="en-US" dirty="0" smtClean="0"/>
-              <a:t>clock)</a:t>
-            </a:r>
-            <a:endParaRPr lang="en-US" dirty="0"/>
+              <a:t>C data)</a:t>
+            </a:r>
+          </a:p>
+          <a:p>
+            <a:r>
+              <a:rPr lang="en-US" dirty="0"/>
+              <a:t>3	CLK (i</a:t>
+            </a:r>
+            <a:r>
+              <a:rPr lang="en-US" baseline="30000" dirty="0"/>
+              <a:t>2</a:t>
+            </a:r>
+            <a:r>
+              <a:rPr lang="en-US" dirty="0"/>
+              <a:t>C clock)</a:t>
+            </a:r>
           </a:p>
           <a:p>
             <a:endParaRPr lang="en-US" dirty="0"/>
@@ -3412,36 +3390,8 @@
           <a:lstStyle/>
           <a:p>
             <a:r>
-              <a:rPr lang="en-US" sz="1400" i="1" dirty="0" smtClean="0"/>
-              <a:t>DAC0 - ADDR </a:t>
-            </a:r>
-            <a:r>
               <a:rPr lang="en-US" sz="1400" i="1" dirty="0"/>
-              <a:t>pin to </a:t>
-            </a:r>
-            <a:r>
-              <a:rPr lang="en-US" sz="1400" i="1" dirty="0" smtClean="0"/>
-              <a:t>GND </a:t>
-            </a:r>
-          </a:p>
-          <a:p>
-            <a:r>
-              <a:rPr lang="en-US" sz="1400" i="1" dirty="0" smtClean="0"/>
-              <a:t>i</a:t>
-            </a:r>
-            <a:r>
-              <a:rPr lang="en-US" sz="1400" i="1" baseline="30000" dirty="0" smtClean="0"/>
-              <a:t>2</a:t>
-            </a:r>
-            <a:r>
-              <a:rPr lang="en-US" sz="1400" i="1" dirty="0" smtClean="0"/>
-              <a:t>C address 0x60 is for left force</a:t>
-            </a:r>
-          </a:p>
-          <a:p>
-            <a:r>
-              <a:rPr lang="en-US" sz="1400" i="1" dirty="0" smtClean="0"/>
-              <a:t>DAC1 - ADDR pin to VCC</a:t>
+              <a:t>DAC0 - ADDR pin to GND </a:t>
             </a:r>
           </a:p>
           <a:p>
@@ -3455,21 +3405,28 @@
             </a:r>
             <a:r>
               <a:rPr lang="en-US" sz="1400" i="1" dirty="0"/>
-              <a:t>C address </a:t>
-            </a:r>
-            <a:r>
-              <a:rPr lang="en-US" sz="1400" i="1" dirty="0" smtClean="0"/>
-              <a:t>0x61 </a:t>
-            </a:r>
+              <a:t>C address 0x60 is for left force</a:t>
+            </a:r>
+          </a:p>
+          <a:p>
             <a:r>
               <a:rPr lang="en-US" sz="1400" i="1" dirty="0"/>
-              <a:t>is for </a:t>
-            </a:r>
-            <a:r>
-              <a:rPr lang="en-US" sz="1400" i="1" dirty="0" smtClean="0"/>
-              <a:t>right force</a:t>
-            </a:r>
-            <a:endParaRPr lang="en-US" sz="1400" i="1" dirty="0"/>
+              <a:t>DAC1 - ADDR pin to VCC</a:t>
+            </a:r>
+          </a:p>
+          <a:p>
+            <a:r>
+              <a:rPr lang="en-US" sz="1400" i="1" dirty="0"/>
+              <a:t>i</a:t>
+            </a:r>
+            <a:r>
+              <a:rPr lang="en-US" sz="1400" i="1" baseline="30000" dirty="0"/>
+              <a:t>2</a:t>
+            </a:r>
+            <a:r>
+              <a:rPr lang="en-US" sz="1400" i="1" dirty="0"/>
+              <a:t>C address 0x61 is for right force</a:t>
+            </a:r>
           </a:p>
         </p:txBody>
       </p:sp>
@@ -3933,22 +3890,21 @@
           <a:lstStyle/>
           <a:p>
             <a:r>
-              <a:rPr lang="en-US" sz="1400" dirty="0" smtClean="0"/>
+              <a:rPr lang="en-US" sz="1400" dirty="0"/>
               <a:t>DAC0</a:t>
             </a:r>
           </a:p>
           <a:p>
             <a:r>
-              <a:rPr lang="en-US" sz="1400" dirty="0" smtClean="0"/>
+              <a:rPr lang="en-US" sz="1400" dirty="0"/>
               <a:t>0x60</a:t>
             </a:r>
           </a:p>
           <a:p>
             <a:r>
-              <a:rPr lang="en-US" sz="1400" dirty="0" smtClean="0"/>
+              <a:rPr lang="en-US" sz="1400" dirty="0"/>
               <a:t>left</a:t>
             </a:r>
-            <a:endParaRPr lang="en-US" sz="1400" dirty="0"/>
           </a:p>
         </p:txBody>
       </p:sp>
@@ -3975,22 +3931,21 @@
           <a:lstStyle/>
           <a:p>
             <a:r>
-              <a:rPr lang="en-US" sz="1400" dirty="0" smtClean="0"/>
+              <a:rPr lang="en-US" sz="1400" dirty="0"/>
               <a:t>DAC1</a:t>
             </a:r>
           </a:p>
           <a:p>
             <a:r>
-              <a:rPr lang="en-US" sz="1400" dirty="0" smtClean="0"/>
+              <a:rPr lang="en-US" sz="1400" dirty="0"/>
               <a:t>0x61</a:t>
             </a:r>
           </a:p>
           <a:p>
             <a:r>
-              <a:rPr lang="en-US" sz="1400" dirty="0" smtClean="0"/>
+              <a:rPr lang="en-US" sz="1400" dirty="0"/>
               <a:t>right</a:t>
             </a:r>
-            <a:endParaRPr lang="en-US" sz="1400" dirty="0"/>
           </a:p>
         </p:txBody>
       </p:sp>
@@ -4063,10 +4018,9 @@
           <a:lstStyle/>
           <a:p>
             <a:r>
-              <a:rPr lang="en-US" dirty="0" smtClean="0"/>
+              <a:rPr lang="en-US" dirty="0"/>
               <a:t>+</a:t>
             </a:r>
-            <a:endParaRPr lang="en-US" dirty="0"/>
           </a:p>
         </p:txBody>
       </p:sp>
@@ -4093,10 +4047,9 @@
           <a:lstStyle/>
           <a:p>
             <a:r>
-              <a:rPr lang="en-US" sz="2400" dirty="0" smtClean="0"/>
+              <a:rPr lang="en-US" sz="2400" dirty="0"/>
               <a:t>-</a:t>
             </a:r>
-            <a:endParaRPr lang="en-US" sz="2400" dirty="0"/>
           </a:p>
         </p:txBody>
       </p:sp>
@@ -4359,11 +4312,11 @@
           <a:lstStyle/>
           <a:p>
             <a:r>
-              <a:rPr lang="en-US" dirty="0" smtClean="0"/>
+              <a:rPr lang="en-US" dirty="0"/>
               <a:t>+</a:t>
             </a:r>
             <a:r>
-              <a:rPr lang="en-US" dirty="0" err="1" smtClean="0"/>
+              <a:rPr lang="en-US" dirty="0" err="1"/>
               <a:t>Vcc</a:t>
             </a:r>
             <a:endParaRPr lang="en-US" dirty="0"/>
@@ -4397,7 +4350,7 @@
               <a:t>-</a:t>
             </a:r>
             <a:r>
-              <a:rPr lang="en-US" dirty="0" err="1" smtClean="0"/>
+              <a:rPr lang="en-US" dirty="0" err="1"/>
               <a:t>Vcc</a:t>
             </a:r>
             <a:endParaRPr lang="en-US" dirty="0"/>
@@ -4982,7 +4935,7 @@
           <a:lstStyle/>
           <a:p>
             <a:r>
-              <a:rPr lang="en-US" dirty="0" smtClean="0"/>
+              <a:rPr lang="en-US" dirty="0"/>
               <a:t>output ±10V</a:t>
             </a:r>
           </a:p>
@@ -5227,48 +5180,31 @@
           <a:lstStyle/>
           <a:p>
             <a:r>
-              <a:rPr lang="en-US" sz="1400" i="1" dirty="0" err="1" smtClean="0"/>
+              <a:rPr lang="en-US" sz="1400" i="1" dirty="0" err="1"/>
               <a:t>Vcc</a:t>
             </a:r>
             <a:r>
-              <a:rPr lang="en-US" sz="1400" i="1" dirty="0" smtClean="0"/>
+              <a:rPr lang="en-US" sz="1400" i="1" dirty="0"/>
               <a:t> can be provided by</a:t>
             </a:r>
           </a:p>
           <a:p>
             <a:r>
-              <a:rPr lang="en-US" sz="1400" i="1" dirty="0" smtClean="0"/>
+              <a:rPr lang="en-US" sz="1400" i="1" dirty="0"/>
               <a:t>regulated bipolar power supply</a:t>
             </a:r>
           </a:p>
           <a:p>
             <a:r>
-              <a:rPr lang="en-US" sz="1400" i="1" dirty="0" smtClean="0"/>
-              <a:t>use LM7812, LM7912 for </a:t>
-            </a:r>
-            <a:r>
               <a:rPr lang="en-US" sz="1400" i="1" dirty="0"/>
-              <a:t>±</a:t>
-            </a:r>
-            <a:r>
-              <a:rPr lang="en-US" sz="1400" i="1" dirty="0" smtClean="0"/>
-              <a:t>12V</a:t>
-            </a:r>
-          </a:p>
-          <a:p>
-            <a:r>
-              <a:rPr lang="en-US" sz="1400" i="1" dirty="0" smtClean="0"/>
-              <a:t>or LM7815, LM7915 </a:t>
-            </a:r>
+              <a:t>use LM7812, LM7912 for ±12V</a:t>
+            </a:r>
+          </a:p>
+          <a:p>
             <a:r>
               <a:rPr lang="en-US" sz="1400" i="1" dirty="0"/>
-              <a:t>for ±</a:t>
-            </a:r>
-            <a:r>
-              <a:rPr lang="en-US" sz="1400" i="1" dirty="0" smtClean="0"/>
-              <a:t>15V</a:t>
-            </a:r>
-            <a:endParaRPr lang="en-US" sz="1400" i="1" dirty="0"/>
+              <a:t>or LM7815, LM7915 for ±15V</a:t>
+            </a:r>
           </a:p>
         </p:txBody>
       </p:sp>
@@ -5295,10 +5231,9 @@
           <a:lstStyle/>
           <a:p>
             <a:r>
-              <a:rPr lang="en-US" dirty="0" smtClean="0"/>
+              <a:rPr lang="en-US" dirty="0"/>
               <a:t>IC1</a:t>
             </a:r>
-            <a:endParaRPr lang="en-US" dirty="0"/>
           </a:p>
         </p:txBody>
       </p:sp>
@@ -5325,30 +5260,29 @@
           <a:lstStyle/>
           <a:p>
             <a:r>
-              <a:rPr lang="en-US" sz="1400" i="1" dirty="0" smtClean="0"/>
+              <a:rPr lang="en-US" sz="1400" i="1" dirty="0"/>
               <a:t>IC1 - can be any audio grade</a:t>
             </a:r>
           </a:p>
           <a:p>
             <a:r>
-              <a:rPr lang="en-US" sz="1400" i="1" dirty="0" smtClean="0"/>
+              <a:rPr lang="en-US" sz="1400" i="1" dirty="0"/>
               <a:t>operational </a:t>
             </a:r>
             <a:r>
-              <a:rPr lang="en-US" sz="1400" i="1" dirty="0" err="1" smtClean="0"/>
+              <a:rPr lang="en-US" sz="1400" i="1" dirty="0" err="1"/>
               <a:t>amplifire</a:t>
             </a:r>
             <a:r>
-              <a:rPr lang="en-US" sz="1400" i="1" dirty="0" smtClean="0"/>
+              <a:rPr lang="en-US" sz="1400" i="1" dirty="0"/>
               <a:t> like</a:t>
             </a:r>
           </a:p>
           <a:p>
             <a:r>
-              <a:rPr lang="en-US" sz="1400" i="1" dirty="0" smtClean="0"/>
+              <a:rPr lang="en-US" sz="1400" i="1" dirty="0"/>
               <a:t>TL072, NE5532 or equivalent</a:t>
             </a:r>
-            <a:endParaRPr lang="en-US" sz="1400" i="1" dirty="0"/>
           </a:p>
         </p:txBody>
       </p:sp>
@@ -5375,10 +5309,9 @@
           <a:lstStyle/>
           <a:p>
             <a:r>
-              <a:rPr lang="en-US" dirty="0" smtClean="0"/>
+              <a:rPr lang="en-US" dirty="0"/>
               <a:t>10k</a:t>
             </a:r>
-            <a:endParaRPr lang="en-US" dirty="0"/>
           </a:p>
         </p:txBody>
       </p:sp>
@@ -5405,10 +5338,9 @@
           <a:lstStyle/>
           <a:p>
             <a:r>
-              <a:rPr lang="en-US" dirty="0" smtClean="0"/>
+              <a:rPr lang="en-US" dirty="0"/>
               <a:t>10k</a:t>
             </a:r>
-            <a:endParaRPr lang="en-US" dirty="0"/>
           </a:p>
         </p:txBody>
       </p:sp>
@@ -5436,13 +5368,8 @@
           <a:p>
             <a:r>
               <a:rPr lang="en-US" dirty="0"/>
-              <a:t>2</a:t>
-            </a:r>
-            <a:r>
-              <a:rPr lang="en-US" dirty="0" smtClean="0"/>
-              <a:t>0k</a:t>
-            </a:r>
-            <a:endParaRPr lang="en-US" dirty="0"/>
+              <a:t>20k</a:t>
+            </a:r>
           </a:p>
         </p:txBody>
       </p:sp>
@@ -5470,13 +5397,8 @@
           <a:p>
             <a:r>
               <a:rPr lang="en-US" dirty="0"/>
-              <a:t>2</a:t>
-            </a:r>
-            <a:r>
-              <a:rPr lang="en-US" dirty="0" smtClean="0"/>
-              <a:t>0k</a:t>
-            </a:r>
-            <a:endParaRPr lang="en-US" dirty="0"/>
+              <a:t>20k</a:t>
+            </a:r>
           </a:p>
         </p:txBody>
       </p:sp>
@@ -5830,10 +5752,9 @@
           <a:lstStyle/>
           <a:p>
             <a:r>
-              <a:rPr lang="en-US" sz="1400" i="1" dirty="0" smtClean="0"/>
+              <a:rPr lang="en-US" sz="1400" i="1" dirty="0"/>
               <a:t>shielded audio grade cable</a:t>
             </a:r>
-            <a:endParaRPr lang="en-US" sz="1400" i="1" dirty="0"/>
           </a:p>
         </p:txBody>
       </p:sp>
@@ -5860,27 +5781,26 @@
           <a:lstStyle/>
           <a:p>
             <a:r>
-              <a:rPr lang="en-US" sz="1400" i="1" dirty="0" smtClean="0"/>
+              <a:rPr lang="en-US" sz="1400" i="1" dirty="0"/>
               <a:t>goes to AASD analog input</a:t>
             </a:r>
           </a:p>
           <a:p>
             <a:r>
-              <a:rPr lang="en-US" sz="1400" i="1" dirty="0" smtClean="0"/>
+              <a:rPr lang="en-US" sz="1400" i="1" dirty="0"/>
               <a:t>use of analog </a:t>
             </a:r>
             <a:r>
-              <a:rPr lang="en-US" sz="1400" i="1" dirty="0" err="1" smtClean="0"/>
+              <a:rPr lang="en-US" sz="1400" i="1" dirty="0" err="1"/>
               <a:t>optocoupler</a:t>
             </a:r>
             <a:endParaRPr lang="en-US" sz="1400" i="1" dirty="0"/>
           </a:p>
           <a:p>
             <a:r>
-              <a:rPr lang="en-US" sz="1400" i="1" dirty="0" smtClean="0"/>
+              <a:rPr lang="en-US" sz="1400" i="1" dirty="0"/>
               <a:t>is desired but not required</a:t>
             </a:r>
-            <a:endParaRPr lang="en-US" sz="1400" i="1" dirty="0"/>
           </a:p>
         </p:txBody>
       </p:sp>
@@ -5894,13 +5814,6 @@
   <p:clrMapOvr>
     <a:masterClrMapping/>
   </p:clrMapOvr>
-  <p:timing>
-    <p:tnLst>
-      <p:par>
-        <p:cTn id="1" dur="indefinite" restart="never" nodeType="tmRoot"/>
-      </p:par>
-    </p:tnLst>
-  </p:timing>
 </p:sld>
 </file>
 
